--- a/基础PPT/JavaSE进阶第二版/第4章：Java异常处理.pptx
+++ b/基础PPT/JavaSE进阶第二版/第4章：Java异常处理.pptx
@@ -9565,6 +9565,18 @@
           </a:bodyPr>
           <a:p>
             <a:r>
+              <a:rPr lang="en-US" altLang="zh-CN">
+                <a:sym typeface="+mn-ea"/>
+              </a:rPr>
+              <a:t>1</a:t>
+            </a:r>
+            <a:r>
+              <a:rPr lang="zh-CN" altLang="en-US">
+                <a:sym typeface="+mn-ea"/>
+              </a:rPr>
+              <a:t>、</a:t>
+            </a:r>
+            <a:r>
               <a:rPr lang="zh-CN" altLang="en-US">
                 <a:sym typeface="+mn-ea"/>
               </a:rPr>
@@ -9596,6 +9608,14 @@
           </a:bodyPr>
           <a:p>
             <a:r>
+              <a:rPr lang="en-US" altLang="zh-CN"/>
+              <a:t>2</a:t>
+            </a:r>
+            <a:r>
+              <a:rPr lang="zh-CN" altLang="en-US"/>
+              <a:t>、</a:t>
+            </a:r>
+            <a:r>
               <a:rPr lang="zh-CN" altLang="en-US"/>
               <a:t>异常处理机制</a:t>
             </a:r>
@@ -9625,6 +9645,14 @@
           </a:bodyPr>
           <a:p>
             <a:r>
+              <a:rPr lang="en-US" altLang="zh-CN"/>
+              <a:t>3</a:t>
+            </a:r>
+            <a:r>
+              <a:rPr lang="zh-CN" altLang="en-US"/>
+              <a:t>、</a:t>
+            </a:r>
+            <a:r>
               <a:rPr lang="zh-CN" altLang="en-US"/>
               <a:t>异常基类 </a:t>
             </a:r>
@@ -9658,6 +9686,14 @@
           </a:bodyPr>
           <a:p>
             <a:r>
+              <a:rPr lang="en-US" altLang="zh-CN"/>
+              <a:t>4</a:t>
+            </a:r>
+            <a:r>
+              <a:rPr lang="zh-CN" altLang="en-US"/>
+              <a:t>、</a:t>
+            </a:r>
+            <a:r>
               <a:rPr lang="zh-CN" altLang="en-US"/>
               <a:t>异常分类</a:t>
             </a:r>
@@ -9688,6 +9724,18 @@
           <a:p>
             <a:pPr algn="l"/>
             <a:r>
+              <a:rPr lang="en-US" altLang="zh-CN">
+                <a:sym typeface="+mn-ea"/>
+              </a:rPr>
+              <a:t>5</a:t>
+            </a:r>
+            <a:r>
+              <a:rPr lang="zh-CN" altLang="en-US">
+                <a:sym typeface="+mn-ea"/>
+              </a:rPr>
+              <a:t>、</a:t>
+            </a:r>
+            <a:r>
               <a:rPr lang="zh-CN" altLang="en-US">
                 <a:sym typeface="+mn-ea"/>
               </a:rPr>
@@ -9740,6 +9788,18 @@
           <a:p>
             <a:pPr algn="l"/>
             <a:r>
+              <a:rPr lang="en-US" altLang="zh-CN">
+                <a:sym typeface="+mn-ea"/>
+              </a:rPr>
+              <a:t>6</a:t>
+            </a:r>
+            <a:r>
+              <a:rPr lang="zh-CN" altLang="en-US">
+                <a:sym typeface="+mn-ea"/>
+              </a:rPr>
+              <a:t>、</a:t>
+            </a:r>
+            <a:r>
               <a:rPr lang="zh-CN" altLang="en-US">
                 <a:sym typeface="+mn-ea"/>
               </a:rPr>
@@ -9771,6 +9831,14 @@
           </a:bodyPr>
           <a:p>
             <a:r>
+              <a:rPr lang="en-US" altLang="zh-CN"/>
+              <a:t>7</a:t>
+            </a:r>
+            <a:r>
+              <a:rPr lang="zh-CN" altLang="en-US"/>
+              <a:t>、</a:t>
+            </a:r>
+            <a:r>
               <a:rPr lang="zh-CN" altLang="en-US"/>
               <a:t>异常处理</a:t>
             </a:r>
@@ -9799,6 +9867,14 @@
             <a:spAutoFit/>
           </a:bodyPr>
           <a:p>
+            <a:r>
+              <a:rPr lang="en-US" altLang="zh-CN"/>
+              <a:t>8</a:t>
+            </a:r>
+            <a:r>
+              <a:rPr lang="zh-CN" altLang="en-US"/>
+              <a:t>、</a:t>
+            </a:r>
             <a:r>
               <a:rPr lang="zh-CN" altLang="en-US"/>
               <a:t>自定义异常</a:t>
